--- a/presentations/class-1/Class 1.2.1_ JavaScript Output.pptx
+++ b/presentations/class-1/Class 1.2.1_ JavaScript Output.pptx
@@ -6690,44 +6690,44 @@
 </file>
 
 <file path=ppt/theme/theme1.xml><?xml version="1.0" encoding="utf-8"?>
-<a:theme xmlns:a="http://schemas.openxmlformats.org/drawingml/2006/main" xmlns:r="http://schemas.openxmlformats.org/officeDocument/2006/relationships" name="label">
+<a:theme xmlns:a="http://schemas.openxmlformats.org/drawingml/2006/main" xmlns:r="http://schemas.openxmlformats.org/officeDocument/2006/relationships" name="Custom Theme">
   <a:themeElements>
-    <a:clrScheme name="Custom 352">
+    <a:clrScheme name="Default">
       <a:dk1>
-        <a:srgbClr val="333333"/>
+        <a:srgbClr val="000000"/>
       </a:dk1>
       <a:lt1>
         <a:srgbClr val="FFFFFF"/>
       </a:lt1>
       <a:dk2>
-        <a:srgbClr val="800000"/>
+        <a:srgbClr val="158158"/>
       </a:dk2>
       <a:lt2>
-        <a:srgbClr val="CCCCCC"/>
+        <a:srgbClr val="F3F3F3"/>
       </a:lt2>
       <a:accent1>
-        <a:srgbClr val="0E427E"/>
+        <a:srgbClr val="058DC7"/>
       </a:accent1>
       <a:accent2>
-        <a:srgbClr val="C5AF48"/>
+        <a:srgbClr val="50B432"/>
       </a:accent2>
       <a:accent3>
-        <a:srgbClr val="327C56"/>
+        <a:srgbClr val="ED561B"/>
       </a:accent3>
       <a:accent4>
-        <a:srgbClr val="387B7D"/>
+        <a:srgbClr val="EDEF00"/>
       </a:accent4>
       <a:accent5>
-        <a:srgbClr val="BA7436"/>
+        <a:srgbClr val="24CBE5"/>
       </a:accent5>
       <a:accent6>
-        <a:srgbClr val="804000"/>
+        <a:srgbClr val="64E572"/>
       </a:accent6>
       <a:hlink>
-        <a:srgbClr val="1D6B8D"/>
+        <a:srgbClr val="2200CC"/>
       </a:hlink>
       <a:folHlink>
-        <a:srgbClr val="103B46"/>
+        <a:srgbClr val="551A8B"/>
       </a:folHlink>
     </a:clrScheme>
     <a:fontScheme name="Office">
@@ -6967,44 +6967,44 @@
 </file>
 
 <file path=ppt/theme/theme2.xml><?xml version="1.0" encoding="utf-8"?>
-<a:theme xmlns:a="http://schemas.openxmlformats.org/drawingml/2006/main" xmlns:r="http://schemas.openxmlformats.org/officeDocument/2006/relationships" name="Custom Theme">
+<a:theme xmlns:a="http://schemas.openxmlformats.org/drawingml/2006/main" xmlns:r="http://schemas.openxmlformats.org/officeDocument/2006/relationships" name="label">
   <a:themeElements>
-    <a:clrScheme name="Default">
+    <a:clrScheme name="Custom 352">
       <a:dk1>
-        <a:srgbClr val="000000"/>
+        <a:srgbClr val="333333"/>
       </a:dk1>
       <a:lt1>
         <a:srgbClr val="FFFFFF"/>
       </a:lt1>
       <a:dk2>
-        <a:srgbClr val="158158"/>
+        <a:srgbClr val="800000"/>
       </a:dk2>
       <a:lt2>
-        <a:srgbClr val="F3F3F3"/>
+        <a:srgbClr val="CCCCCC"/>
       </a:lt2>
       <a:accent1>
-        <a:srgbClr val="058DC7"/>
+        <a:srgbClr val="0E427E"/>
       </a:accent1>
       <a:accent2>
-        <a:srgbClr val="50B432"/>
+        <a:srgbClr val="C5AF48"/>
       </a:accent2>
       <a:accent3>
-        <a:srgbClr val="ED561B"/>
+        <a:srgbClr val="327C56"/>
       </a:accent3>
       <a:accent4>
-        <a:srgbClr val="EDEF00"/>
+        <a:srgbClr val="387B7D"/>
       </a:accent4>
       <a:accent5>
-        <a:srgbClr val="24CBE5"/>
+        <a:srgbClr val="BA7436"/>
       </a:accent5>
       <a:accent6>
-        <a:srgbClr val="64E572"/>
+        <a:srgbClr val="804000"/>
       </a:accent6>
       <a:hlink>
-        <a:srgbClr val="2200CC"/>
+        <a:srgbClr val="1D6B8D"/>
       </a:hlink>
       <a:folHlink>
-        <a:srgbClr val="551A8B"/>
+        <a:srgbClr val="103B46"/>
       </a:folHlink>
     </a:clrScheme>
     <a:fontScheme name="Office">
